--- a/docs/ProjektBemutato.pptx
+++ b/docs/ProjektBemutato.pptx
@@ -8895,7 +8895,7 @@
           <a:lstStyle/>
           <a:p>
             <a:r>
-              <a:rPr lang="hu-HU" sz="4000">
+              <a:rPr lang="hu-HU" sz="4000" dirty="0">
                 <a:solidFill>
                   <a:srgbClr val="FFFFFF"/>
                 </a:solidFill>
@@ -9949,7 +9949,7 @@
                   <a:schemeClr val="bg1"/>
                 </a:solidFill>
               </a:rPr>
-              <a:t>Teljes tartalommal a felület tartalmaz 3 kategóriát.</a:t>
+              <a:t>Teljes tartalommal a felület tartalmaz három kategóriát.</a:t>
             </a:r>
             <a:br>
               <a:rPr lang="hu-HU" dirty="0">
@@ -10079,6 +10079,16 @@
           <a:prstGeom prst="rect">
             <a:avLst/>
           </a:prstGeom>
+          <a:ln>
+            <a:noFill/>
+          </a:ln>
+          <a:effectLst>
+            <a:outerShdw blurRad="292100" dist="139700" dir="2700000" algn="tl" rotWithShape="0">
+              <a:srgbClr val="333333">
+                <a:alpha val="65000"/>
+              </a:srgbClr>
+            </a:outerShdw>
+          </a:effectLst>
         </p:spPr>
       </p:pic>
     </p:spTree>
@@ -10993,7 +11003,7 @@
           <a:p>
             <a:r>
               <a:rPr lang="hu-HU" dirty="0"/>
-              <a:t>Ezen az oldalon egy képkörhintát találunk, elemei adatbázisból jönnek le, ebből adódóan a játék oldala is adatbázisból jön le.</a:t>
+              <a:t>Ezen az oldalon egy képkörhintát találunk, elemei adatbázisból jönnek le, erre kattintva átkerülünk a játék oldalára, ami ugyan ezen az elven működik</a:t>
             </a:r>
           </a:p>
         </p:txBody>
